--- a/materials/PPT slides/EDABDC - Pandas.pptx
+++ b/materials/PPT slides/EDABDC - Pandas.pptx
@@ -3508,7 +3508,7 @@
           <a:p>
             <a:r>
               <a:rPr lang="en-US"/>
-              <a:t>Preparing and processing data with Azure Data Factory</a:t>
+              <a:t>Preparing and processing data with Pandas</a:t>
             </a:r>
             <a:endParaRPr lang="en-US"/>
           </a:p>
